--- a/ppts/Binary Classification.pptx
+++ b/ppts/Binary Classification.pptx
@@ -234,7 +234,7 @@
           <a:p>
             <a:fld id="{03EC5D43-A306-4CE6-B1B5-F25CF3397402}" type="datetimeFigureOut">
               <a:rPr lang="en-SE" smtClean="0"/>
-              <a:t>2024-02-27</a:t>
+              <a:t>2024-02-28</a:t>
             </a:fld>
             <a:endParaRPr lang="en-SE"/>
           </a:p>
@@ -651,7 +651,7 @@
           <a:p>
             <a:fld id="{674A156A-4A9D-4608-9AD9-1A389DFFAF9E}" type="datetimeFigureOut">
               <a:rPr lang="en-SE" smtClean="0"/>
-              <a:t>2024-02-27</a:t>
+              <a:t>2024-02-28</a:t>
             </a:fld>
             <a:endParaRPr lang="en-SE"/>
           </a:p>
@@ -851,7 +851,7 @@
           <a:p>
             <a:fld id="{674A156A-4A9D-4608-9AD9-1A389DFFAF9E}" type="datetimeFigureOut">
               <a:rPr lang="en-SE" smtClean="0"/>
-              <a:t>2024-02-27</a:t>
+              <a:t>2024-02-28</a:t>
             </a:fld>
             <a:endParaRPr lang="en-SE"/>
           </a:p>
@@ -1061,7 +1061,7 @@
           <a:p>
             <a:fld id="{674A156A-4A9D-4608-9AD9-1A389DFFAF9E}" type="datetimeFigureOut">
               <a:rPr lang="en-SE" smtClean="0"/>
-              <a:t>2024-02-27</a:t>
+              <a:t>2024-02-28</a:t>
             </a:fld>
             <a:endParaRPr lang="en-SE"/>
           </a:p>
@@ -1261,7 +1261,7 @@
           <a:p>
             <a:fld id="{674A156A-4A9D-4608-9AD9-1A389DFFAF9E}" type="datetimeFigureOut">
               <a:rPr lang="en-SE" smtClean="0"/>
-              <a:t>2024-02-27</a:t>
+              <a:t>2024-02-28</a:t>
             </a:fld>
             <a:endParaRPr lang="en-SE"/>
           </a:p>
@@ -1595,7 +1595,7 @@
           <a:p>
             <a:fld id="{674A156A-4A9D-4608-9AD9-1A389DFFAF9E}" type="datetimeFigureOut">
               <a:rPr lang="en-SE" smtClean="0"/>
-              <a:t>2024-02-27</a:t>
+              <a:t>2024-02-28</a:t>
             </a:fld>
             <a:endParaRPr lang="en-SE"/>
           </a:p>
@@ -2010,7 +2010,7 @@
           <a:p>
             <a:fld id="{674A156A-4A9D-4608-9AD9-1A389DFFAF9E}" type="datetimeFigureOut">
               <a:rPr lang="en-SE" smtClean="0"/>
-              <a:t>2024-02-27</a:t>
+              <a:t>2024-02-28</a:t>
             </a:fld>
             <a:endParaRPr lang="en-SE"/>
           </a:p>
@@ -2152,7 +2152,7 @@
           <a:p>
             <a:fld id="{674A156A-4A9D-4608-9AD9-1A389DFFAF9E}" type="datetimeFigureOut">
               <a:rPr lang="en-SE" smtClean="0"/>
-              <a:t>2024-02-27</a:t>
+              <a:t>2024-02-28</a:t>
             </a:fld>
             <a:endParaRPr lang="en-SE"/>
           </a:p>
@@ -2265,7 +2265,7 @@
           <a:p>
             <a:fld id="{674A156A-4A9D-4608-9AD9-1A389DFFAF9E}" type="datetimeFigureOut">
               <a:rPr lang="en-SE" smtClean="0"/>
-              <a:t>2024-02-27</a:t>
+              <a:t>2024-02-28</a:t>
             </a:fld>
             <a:endParaRPr lang="en-SE"/>
           </a:p>
@@ -2578,7 +2578,7 @@
           <a:p>
             <a:fld id="{674A156A-4A9D-4608-9AD9-1A389DFFAF9E}" type="datetimeFigureOut">
               <a:rPr lang="en-SE" smtClean="0"/>
-              <a:t>2024-02-27</a:t>
+              <a:t>2024-02-28</a:t>
             </a:fld>
             <a:endParaRPr lang="en-SE"/>
           </a:p>
@@ -2867,7 +2867,7 @@
           <a:p>
             <a:fld id="{674A156A-4A9D-4608-9AD9-1A389DFFAF9E}" type="datetimeFigureOut">
               <a:rPr lang="en-SE" smtClean="0"/>
-              <a:t>2024-02-27</a:t>
+              <a:t>2024-02-28</a:t>
             </a:fld>
             <a:endParaRPr lang="en-SE"/>
           </a:p>
@@ -3110,7 +3110,7 @@
           <a:p>
             <a:fld id="{674A156A-4A9D-4608-9AD9-1A389DFFAF9E}" type="datetimeFigureOut">
               <a:rPr lang="en-SE" smtClean="0"/>
-              <a:t>2024-02-27</a:t>
+              <a:t>2024-02-28</a:t>
             </a:fld>
             <a:endParaRPr lang="en-SE"/>
           </a:p>
@@ -11897,8 +11897,8 @@
           <a:chExt cx="0" cy="0"/>
         </a:xfrm>
       </p:grpSpPr>
-      <mc:AlternateContent xmlns:mc="http://schemas.openxmlformats.org/markup-compatibility/2006" xmlns:a14="http://schemas.microsoft.com/office/drawing/2010/main">
-        <mc:Choice Requires="a14">
+      <mc:AlternateContent xmlns:mc="http://schemas.openxmlformats.org/markup-compatibility/2006">
+        <mc:Choice xmlns:a14="http://schemas.microsoft.com/office/drawing/2010/main" Requires="a14">
           <p:sp>
             <p:nvSpPr>
               <p:cNvPr id="3" name="TextBox 11">
@@ -12115,7 +12115,7 @@
                     <a:latin typeface="Century Gothic" panose="020B0502020202020204" pitchFamily="34" charset="0"/>
                     <a:cs typeface="Calibri Light" panose="020F0302020204030204" pitchFamily="34" charset="0"/>
                   </a:rPr>
-                  <a:t>) + (1 - </a:t>
+                  <a:t>) - (1 - </a:t>
                 </a:r>
                 <a:r>
                   <a:rPr lang="sv-SE" dirty="0" err="1">
@@ -12201,7 +12201,7 @@
             </p:txBody>
           </p:sp>
         </mc:Choice>
-        <mc:Fallback xmlns="">
+        <mc:Fallback>
           <p:sp>
             <p:nvSpPr>
               <p:cNvPr id="3" name="TextBox 11">
@@ -12227,7 +12227,7 @@
               <a:blipFill>
                 <a:blip r:embed="rId2"/>
                 <a:stretch>
-                  <a:fillRect l="-648" t="-29787" r="-389" b="-42553"/>
+                  <a:fillRect t="-29787" b="-42553"/>
                 </a:stretch>
               </a:blipFill>
               <a:ln w="12700">
@@ -12513,8 +12513,8 @@
           </a:p>
         </p:txBody>
       </p:sp>
-      <mc:AlternateContent xmlns:mc="http://schemas.openxmlformats.org/markup-compatibility/2006" xmlns:a14="http://schemas.microsoft.com/office/drawing/2010/main">
-        <mc:Choice Requires="a14">
+      <mc:AlternateContent xmlns:mc="http://schemas.openxmlformats.org/markup-compatibility/2006">
+        <mc:Choice xmlns:a14="http://schemas.microsoft.com/office/drawing/2010/main" Requires="a14">
           <p:sp>
             <p:nvSpPr>
               <p:cNvPr id="6" name="TextBox 11">
@@ -12725,7 +12725,7 @@
                     <a:latin typeface="Century Gothic" panose="020B0502020202020204" pitchFamily="34" charset="0"/>
                     <a:cs typeface="Calibri Light" panose="020F0302020204030204" pitchFamily="34" charset="0"/>
                   </a:rPr>
-                  <a:t>) + (1 - </a:t>
+                  <a:t>) - (1 - </a:t>
                 </a:r>
                 <a:r>
                   <a:rPr lang="sv-SE" dirty="0">
@@ -12807,7 +12807,7 @@
             </p:txBody>
           </p:sp>
         </mc:Choice>
-        <mc:Fallback xmlns="">
+        <mc:Fallback>
           <p:sp>
             <p:nvSpPr>
               <p:cNvPr id="6" name="TextBox 11">
@@ -13497,8 +13497,8 @@
           </a:p>
         </p:txBody>
       </p:sp>
-      <mc:AlternateContent xmlns:mc="http://schemas.openxmlformats.org/markup-compatibility/2006" xmlns:a14="http://schemas.microsoft.com/office/drawing/2010/main">
-        <mc:Choice Requires="a14">
+      <mc:AlternateContent xmlns:mc="http://schemas.openxmlformats.org/markup-compatibility/2006">
+        <mc:Choice xmlns:a14="http://schemas.microsoft.com/office/drawing/2010/main" Requires="a14">
           <p:sp>
             <p:nvSpPr>
               <p:cNvPr id="11" name="TextBox 11">
@@ -13709,7 +13709,7 @@
                     <a:latin typeface="Century Gothic" panose="020B0502020202020204" pitchFamily="34" charset="0"/>
                     <a:cs typeface="Calibri Light" panose="020F0302020204030204" pitchFamily="34" charset="0"/>
                   </a:rPr>
-                  <a:t>) + (1 - </a:t>
+                  <a:t>) - (1 - </a:t>
                 </a:r>
                 <a:r>
                   <a:rPr lang="sv-SE" dirty="0">
@@ -13791,7 +13791,7 @@
             </p:txBody>
           </p:sp>
         </mc:Choice>
-        <mc:Fallback xmlns="">
+        <mc:Fallback>
           <p:sp>
             <p:nvSpPr>
               <p:cNvPr id="11" name="TextBox 11">
@@ -13839,8 +13839,8 @@
           </p:sp>
         </mc:Fallback>
       </mc:AlternateContent>
-      <mc:AlternateContent xmlns:mc="http://schemas.openxmlformats.org/markup-compatibility/2006" xmlns:a14="http://schemas.microsoft.com/office/drawing/2010/main">
-        <mc:Choice Requires="a14">
+      <mc:AlternateContent xmlns:mc="http://schemas.openxmlformats.org/markup-compatibility/2006">
+        <mc:Choice xmlns:a14="http://schemas.microsoft.com/office/drawing/2010/main" Requires="a14">
           <p:sp>
             <p:nvSpPr>
               <p:cNvPr id="12" name="TextBox 11">
@@ -13972,7 +13972,7 @@
                     <a:latin typeface="Century Gothic" panose="020B0502020202020204" pitchFamily="34" charset="0"/>
                     <a:cs typeface="Calibri Light" panose="020F0302020204030204" pitchFamily="34" charset="0"/>
                   </a:rPr>
-                  <a:t>=   log</a:t>
+                  <a:t>=  - log</a:t>
                 </a:r>
                 <a14:m>
                   <m:oMath xmlns:m="http://schemas.openxmlformats.org/officeDocument/2006/math">
@@ -14021,7 +14021,7 @@
             </p:txBody>
           </p:sp>
         </mc:Choice>
-        <mc:Fallback xmlns="">
+        <mc:Fallback>
           <p:sp>
             <p:nvSpPr>
               <p:cNvPr id="12" name="TextBox 11">
@@ -15647,8 +15647,8 @@
           </a:p>
         </p:txBody>
       </p:sp>
-      <mc:AlternateContent xmlns:mc="http://schemas.openxmlformats.org/markup-compatibility/2006" xmlns:a14="http://schemas.microsoft.com/office/drawing/2010/main">
-        <mc:Choice Requires="a14">
+      <mc:AlternateContent xmlns:mc="http://schemas.openxmlformats.org/markup-compatibility/2006">
+        <mc:Choice xmlns:a14="http://schemas.microsoft.com/office/drawing/2010/main" Requires="a14">
           <p:sp>
             <p:nvSpPr>
               <p:cNvPr id="9" name="TextBox 11">
@@ -15780,7 +15780,7 @@
                     <a:latin typeface="Century Gothic" panose="020B0502020202020204" pitchFamily="34" charset="0"/>
                     <a:cs typeface="Calibri Light" panose="020F0302020204030204" pitchFamily="34" charset="0"/>
                   </a:rPr>
-                  <a:t>log</a:t>
+                  <a:t>- log</a:t>
                 </a:r>
                 <a14:m>
                   <m:oMath xmlns:m="http://schemas.openxmlformats.org/officeDocument/2006/math">
@@ -15829,7 +15829,7 @@
             </p:txBody>
           </p:sp>
         </mc:Choice>
-        <mc:Fallback xmlns="">
+        <mc:Fallback>
           <p:sp>
             <p:nvSpPr>
               <p:cNvPr id="9" name="TextBox 11">

--- a/ppts/Binary Classification.pptx
+++ b/ppts/Binary Classification.pptx
@@ -16842,8 +16842,8 @@
             <a:chExt cx="6149477" cy="553998"/>
           </a:xfrm>
         </p:grpSpPr>
-        <mc:AlternateContent xmlns:mc="http://schemas.openxmlformats.org/markup-compatibility/2006" xmlns:a14="http://schemas.microsoft.com/office/drawing/2010/main">
-          <mc:Choice Requires="a14">
+        <mc:AlternateContent xmlns:mc="http://schemas.openxmlformats.org/markup-compatibility/2006">
+          <mc:Choice xmlns:a14="http://schemas.microsoft.com/office/drawing/2010/main" Requires="a14">
             <p:sp>
               <p:nvSpPr>
                 <p:cNvPr id="5" name="TextBox 11">
@@ -17058,7 +17058,7 @@
                       <a:latin typeface="Century Gothic" panose="020B0502020202020204" pitchFamily="34" charset="0"/>
                       <a:cs typeface="Calibri Light" panose="020F0302020204030204" pitchFamily="34" charset="0"/>
                     </a:rPr>
-                    <a:t>) + (1 - </a:t>
+                    <a:t>) - (1 - </a:t>
                   </a:r>
                   <a:r>
                     <a:rPr lang="sv-SE" dirty="0" err="1">
@@ -17144,7 +17144,7 @@
               </p:txBody>
             </p:sp>
           </mc:Choice>
-          <mc:Fallback xmlns="">
+          <mc:Fallback>
             <p:sp>
               <p:nvSpPr>
                 <p:cNvPr id="5" name="TextBox 11">
